--- a/Clase9/Presentación.pptx
+++ b/Clase9/Presentación.pptx
@@ -4939,11 +4939,7 @@
             </a:r>
             <a:r>
               <a:rPr lang="es-ES" dirty="0" smtClean="0"/>
-              <a:t>para resolver el </a:t>
-            </a:r>
-            <a:r>
-              <a:rPr lang="es-ES" dirty="0" smtClean="0"/>
-              <a:t>problema usando </a:t>
+              <a:t>para resolver el problema usando </a:t>
             </a:r>
             <a:r>
               <a:rPr lang="es-ES" dirty="0" err="1" smtClean="0"/>
